--- a/Sistema_de_Gestion_de_Consultas_Biblioteca_Legislativa_2020.pptx
+++ b/Sistema_de_Gestion_de_Consultas_Biblioteca_Legislativa_2020.pptx
@@ -19,7 +19,8 @@
     <p:sldId id="269" r:id="rId13"/>
     <p:sldId id="267" r:id="rId14"/>
     <p:sldId id="268" r:id="rId15"/>
-    <p:sldId id="270" r:id="rId16"/>
+    <p:sldId id="272" r:id="rId16"/>
+    <p:sldId id="270" r:id="rId17"/>
   </p:sldIdLst>
   <p:sldSz cx="12192000" cy="6858000"/>
   <p:notesSz cx="6858000" cy="9144000"/>
@@ -137,6 +138,7 @@
             <p14:sldId id="269"/>
             <p14:sldId id="267"/>
             <p14:sldId id="268"/>
+            <p14:sldId id="272"/>
             <p14:sldId id="270"/>
           </p14:sldIdLst>
         </p14:section>
@@ -305,7 +307,7 @@
           <a:p>
             <a:fld id="{02AC24A9-CCB6-4F8D-B8DB-C2F3692CFA5A}" type="datetimeFigureOut">
               <a:rPr lang="en-US" smtClean="0"/>
-              <a:t>6/2/2020</a:t>
+              <a:t>6/3/2020</a:t>
             </a:fld>
             <a:endParaRPr lang="en-US" dirty="0"/>
           </a:p>
@@ -364,7 +366,7 @@
           <a:p>
             <a:fld id="{B2DC25EE-239B-4C5F-AAD1-255A7D5F1EE2}" type="slidenum">
               <a:rPr lang="en-US" smtClean="0"/>
-              <a:t>‹#›</a:t>
+              <a:t>‹Nº›</a:t>
             </a:fld>
             <a:endParaRPr lang="en-US" dirty="0"/>
           </a:p>
@@ -675,7 +677,7 @@
           <a:p>
             <a:fld id="{02AC24A9-CCB6-4F8D-B8DB-C2F3692CFA5A}" type="datetimeFigureOut">
               <a:rPr lang="en-US" smtClean="0"/>
-              <a:t>6/2/2020</a:t>
+              <a:t>6/3/2020</a:t>
             </a:fld>
             <a:endParaRPr lang="en-US"/>
           </a:p>
@@ -729,7 +731,7 @@
           <a:p>
             <a:fld id="{B2DC25EE-239B-4C5F-AAD1-255A7D5F1EE2}" type="slidenum">
               <a:rPr lang="en-US" smtClean="0"/>
-              <a:t>‹#›</a:t>
+              <a:t>‹Nº›</a:t>
             </a:fld>
             <a:endParaRPr lang="en-US"/>
           </a:p>
@@ -884,7 +886,7 @@
           <a:p>
             <a:fld id="{02AC24A9-CCB6-4F8D-B8DB-C2F3692CFA5A}" type="datetimeFigureOut">
               <a:rPr lang="en-US" smtClean="0"/>
-              <a:t>6/2/2020</a:t>
+              <a:t>6/3/2020</a:t>
             </a:fld>
             <a:endParaRPr lang="en-US"/>
           </a:p>
@@ -938,7 +940,7 @@
           <a:p>
             <a:fld id="{B2DC25EE-239B-4C5F-AAD1-255A7D5F1EE2}" type="slidenum">
               <a:rPr lang="en-US" smtClean="0"/>
-              <a:t>‹#›</a:t>
+              <a:t>‹Nº›</a:t>
             </a:fld>
             <a:endParaRPr lang="en-US"/>
           </a:p>
@@ -1354,7 +1356,7 @@
           <a:p>
             <a:fld id="{02AC24A9-CCB6-4F8D-B8DB-C2F3692CFA5A}" type="datetimeFigureOut">
               <a:rPr lang="en-US" smtClean="0"/>
-              <a:t>6/2/2020</a:t>
+              <a:t>6/3/2020</a:t>
             </a:fld>
             <a:endParaRPr lang="en-US"/>
           </a:p>
@@ -1413,7 +1415,7 @@
           <a:p>
             <a:fld id="{B2DC25EE-239B-4C5F-AAD1-255A7D5F1EE2}" type="slidenum">
               <a:rPr lang="en-US" smtClean="0"/>
-              <a:t>‹#›</a:t>
+              <a:t>‹Nº›</a:t>
             </a:fld>
             <a:endParaRPr lang="en-US"/>
           </a:p>
@@ -1808,7 +1810,7 @@
           <a:p>
             <a:fld id="{02AC24A9-CCB6-4F8D-B8DB-C2F3692CFA5A}" type="datetimeFigureOut">
               <a:rPr lang="en-US" smtClean="0"/>
-              <a:t>6/2/2020</a:t>
+              <a:t>6/3/2020</a:t>
             </a:fld>
             <a:endParaRPr lang="en-US"/>
           </a:p>
@@ -1862,7 +1864,7 @@
           <a:p>
             <a:fld id="{B2DC25EE-239B-4C5F-AAD1-255A7D5F1EE2}" type="slidenum">
               <a:rPr lang="en-US" smtClean="0"/>
-              <a:t>‹#›</a:t>
+              <a:t>‹Nº›</a:t>
             </a:fld>
             <a:endParaRPr lang="en-US"/>
           </a:p>
@@ -2340,7 +2342,7 @@
           <a:p>
             <a:fld id="{02AC24A9-CCB6-4F8D-B8DB-C2F3692CFA5A}" type="datetimeFigureOut">
               <a:rPr lang="en-US" smtClean="0"/>
-              <a:t>6/2/2020</a:t>
+              <a:t>6/3/2020</a:t>
             </a:fld>
             <a:endParaRPr lang="en-US"/>
           </a:p>
@@ -2399,7 +2401,7 @@
           <a:p>
             <a:fld id="{B2DC25EE-239B-4C5F-AAD1-255A7D5F1EE2}" type="slidenum">
               <a:rPr lang="en-US" smtClean="0"/>
-              <a:t>‹#›</a:t>
+              <a:t>‹Nº›</a:t>
             </a:fld>
             <a:endParaRPr lang="en-US"/>
           </a:p>
@@ -3039,7 +3041,7 @@
           <a:p>
             <a:fld id="{02AC24A9-CCB6-4F8D-B8DB-C2F3692CFA5A}" type="datetimeFigureOut">
               <a:rPr lang="en-US" smtClean="0"/>
-              <a:t>6/2/2020</a:t>
+              <a:t>6/3/2020</a:t>
             </a:fld>
             <a:endParaRPr lang="en-US"/>
           </a:p>
@@ -3098,7 +3100,7 @@
           <a:p>
             <a:fld id="{B2DC25EE-239B-4C5F-AAD1-255A7D5F1EE2}" type="slidenum">
               <a:rPr lang="en-US" smtClean="0"/>
-              <a:t>‹#›</a:t>
+              <a:t>‹Nº›</a:t>
             </a:fld>
             <a:endParaRPr lang="en-US"/>
           </a:p>
@@ -3368,7 +3370,7 @@
           <a:p>
             <a:fld id="{02AC24A9-CCB6-4F8D-B8DB-C2F3692CFA5A}" type="datetimeFigureOut">
               <a:rPr lang="en-US" smtClean="0"/>
-              <a:t>6/2/2020</a:t>
+              <a:t>6/3/2020</a:t>
             </a:fld>
             <a:endParaRPr lang="en-US"/>
           </a:p>
@@ -3422,7 +3424,7 @@
           <a:p>
             <a:fld id="{B2DC25EE-239B-4C5F-AAD1-255A7D5F1EE2}" type="slidenum">
               <a:rPr lang="en-US" smtClean="0"/>
-              <a:t>‹#›</a:t>
+              <a:t>‹Nº›</a:t>
             </a:fld>
             <a:endParaRPr lang="en-US"/>
           </a:p>
@@ -3481,7 +3483,7 @@
           <a:p>
             <a:fld id="{02AC24A9-CCB6-4F8D-B8DB-C2F3692CFA5A}" type="datetimeFigureOut">
               <a:rPr lang="en-US" smtClean="0"/>
-              <a:t>6/2/2020</a:t>
+              <a:t>6/3/2020</a:t>
             </a:fld>
             <a:endParaRPr lang="en-US"/>
           </a:p>
@@ -3535,7 +3537,7 @@
           <a:p>
             <a:fld id="{B2DC25EE-239B-4C5F-AAD1-255A7D5F1EE2}" type="slidenum">
               <a:rPr lang="en-US" smtClean="0"/>
-              <a:t>‹#›</a:t>
+              <a:t>‹Nº›</a:t>
             </a:fld>
             <a:endParaRPr lang="en-US"/>
           </a:p>
@@ -3976,7 +3978,7 @@
           <a:p>
             <a:fld id="{02AC24A9-CCB6-4F8D-B8DB-C2F3692CFA5A}" type="datetimeFigureOut">
               <a:rPr lang="en-US" smtClean="0"/>
-              <a:t>6/2/2020</a:t>
+              <a:t>6/3/2020</a:t>
             </a:fld>
             <a:endParaRPr lang="en-US" dirty="0"/>
           </a:p>
@@ -4030,7 +4032,7 @@
           <a:p>
             <a:fld id="{B2DC25EE-239B-4C5F-AAD1-255A7D5F1EE2}" type="slidenum">
               <a:rPr lang="en-US" smtClean="0"/>
-              <a:t>‹#›</a:t>
+              <a:t>‹Nº›</a:t>
             </a:fld>
             <a:endParaRPr lang="en-US"/>
           </a:p>
@@ -4453,7 +4455,7 @@
           <a:p>
             <a:fld id="{02AC24A9-CCB6-4F8D-B8DB-C2F3692CFA5A}" type="datetimeFigureOut">
               <a:rPr lang="en-US" smtClean="0"/>
-              <a:t>6/2/2020</a:t>
+              <a:t>6/3/2020</a:t>
             </a:fld>
             <a:endParaRPr lang="en-US"/>
           </a:p>
@@ -4507,7 +4509,7 @@
           <a:p>
             <a:fld id="{B2DC25EE-239B-4C5F-AAD1-255A7D5F1EE2}" type="slidenum">
               <a:rPr lang="en-US" smtClean="0"/>
-              <a:t>‹#›</a:t>
+              <a:t>‹Nº›</a:t>
             </a:fld>
             <a:endParaRPr lang="en-US"/>
           </a:p>
@@ -4696,7 +4698,7 @@
           <a:p>
             <a:fld id="{02AC24A9-CCB6-4F8D-B8DB-C2F3692CFA5A}" type="datetimeFigureOut">
               <a:rPr lang="en-US" smtClean="0"/>
-              <a:t>6/2/2020</a:t>
+              <a:t>6/3/2020</a:t>
             </a:fld>
             <a:endParaRPr lang="en-US"/>
           </a:p>
@@ -4786,7 +4788,7 @@
           <a:p>
             <a:fld id="{B2DC25EE-239B-4C5F-AAD1-255A7D5F1EE2}" type="slidenum">
               <a:rPr lang="en-US" smtClean="0"/>
-              <a:t>‹#›</a:t>
+              <a:t>‹Nº›</a:t>
             </a:fld>
             <a:endParaRPr lang="en-US"/>
           </a:p>
@@ -5941,7 +5943,7 @@
             <a:pPr lvl="0" algn="just"/>
             <a:r>
               <a:rPr lang="es-CR" sz="2000" dirty="0"/>
-              <a:t>La aplicación debe poder accederse desde cualquier dispositivo con un navegador Web y acceso a la red de la biblioteca Legislativa.</a:t>
+              <a:t>La aplicación debe acceder desde cualquier dispositivo con un navegador Web y acceso a la red de la biblioteca Legislativa.</a:t>
             </a:r>
           </a:p>
           <a:p>
@@ -6175,7 +6177,7 @@
             <a:pPr lvl="0" algn="just"/>
             <a:r>
               <a:rPr lang="es-CR" sz="2000" dirty="0"/>
-              <a:t>No tener acceso a todas las herramientas que se utilizan en la asamblea como el SharePoint, con el cual se podría reducir el tiempo en la creación de los formularios de control pasando a parámetros  o datos a SharePoint a nuestra aplicación </a:t>
+              <a:t>No tener acceso a todas las herramientas que se utilizan en la asamblea como el SharePoint, con el cual se podría reducir el tiempo en la creación de los formularios de control pasando a parámetros  o datos de SharePoint a nuestra aplicación </a:t>
             </a:r>
           </a:p>
           <a:p>
@@ -6259,6 +6261,139 @@
 </file>
 
 <file path=ppt/slides/slide15.xml><?xml version="1.0" encoding="utf-8"?>
+<p:sld xmlns:a="http://schemas.openxmlformats.org/drawingml/2006/main" xmlns:r="http://schemas.openxmlformats.org/officeDocument/2006/relationships" xmlns:p="http://schemas.openxmlformats.org/presentationml/2006/main">
+  <p:cSld>
+    <p:spTree>
+      <p:nvGrpSpPr>
+        <p:cNvPr id="1" name=""/>
+        <p:cNvGrpSpPr/>
+        <p:nvPr/>
+      </p:nvGrpSpPr>
+      <p:grpSpPr>
+        <a:xfrm>
+          <a:off x="0" y="0"/>
+          <a:ext cx="0" cy="0"/>
+          <a:chOff x="0" y="0"/>
+          <a:chExt cx="0" cy="0"/>
+        </a:xfrm>
+      </p:grpSpPr>
+      <p:sp>
+        <p:nvSpPr>
+          <p:cNvPr id="2" name="Título 1">
+            <a:extLst>
+              <a:ext uri="{FF2B5EF4-FFF2-40B4-BE49-F238E27FC236}">
+                <a16:creationId xmlns:a16="http://schemas.microsoft.com/office/drawing/2014/main" id="{0B40AE58-0415-44F6-A0B1-DE94A44F9224}"/>
+              </a:ext>
+            </a:extLst>
+          </p:cNvPr>
+          <p:cNvSpPr>
+            <a:spLocks noGrp="1"/>
+          </p:cNvSpPr>
+          <p:nvPr>
+            <p:ph type="title"/>
+          </p:nvPr>
+        </p:nvSpPr>
+        <p:spPr/>
+        <p:txBody>
+          <a:bodyPr/>
+          <a:lstStyle/>
+          <a:p>
+            <a:r>
+              <a:rPr lang="es-CR" b="1" dirty="0"/>
+              <a:t>Tecnologías a utilizar</a:t>
+            </a:r>
+          </a:p>
+        </p:txBody>
+      </p:sp>
+      <p:sp>
+        <p:nvSpPr>
+          <p:cNvPr id="3" name="Marcador de contenido 2">
+            <a:extLst>
+              <a:ext uri="{FF2B5EF4-FFF2-40B4-BE49-F238E27FC236}">
+                <a16:creationId xmlns:a16="http://schemas.microsoft.com/office/drawing/2014/main" id="{5CB5FF05-603A-4569-A070-C18F2FBDB410}"/>
+              </a:ext>
+            </a:extLst>
+          </p:cNvPr>
+          <p:cNvSpPr>
+            <a:spLocks noGrp="1"/>
+          </p:cNvSpPr>
+          <p:nvPr>
+            <p:ph idx="1"/>
+          </p:nvPr>
+        </p:nvSpPr>
+        <p:spPr>
+          <a:xfrm>
+            <a:off x="1115568" y="2478023"/>
+            <a:ext cx="10168128" cy="4132501"/>
+          </a:xfrm>
+        </p:spPr>
+        <p:txBody>
+          <a:bodyPr>
+            <a:normAutofit/>
+          </a:bodyPr>
+          <a:lstStyle/>
+          <a:p>
+            <a:r>
+              <a:rPr lang="es-CR" dirty="0"/>
+              <a:t>SQL Server</a:t>
+            </a:r>
+          </a:p>
+          <a:p>
+            <a:r>
+              <a:rPr lang="es-CR" dirty="0"/>
+              <a:t>Visual Studio 2019</a:t>
+            </a:r>
+          </a:p>
+          <a:p>
+            <a:r>
+              <a:rPr lang="es-CR" dirty="0"/>
+              <a:t>C# Asp.net</a:t>
+            </a:r>
+          </a:p>
+          <a:p>
+            <a:r>
+              <a:rPr lang="es-CR" dirty="0"/>
+              <a:t>Exchange 2013</a:t>
+            </a:r>
+          </a:p>
+          <a:p>
+            <a:r>
+              <a:rPr lang="es-CR" dirty="0" err="1"/>
+              <a:t>Power</a:t>
+            </a:r>
+            <a:r>
+              <a:rPr lang="es-CR" dirty="0"/>
+              <a:t> BI</a:t>
+            </a:r>
+          </a:p>
+        </p:txBody>
+      </p:sp>
+    </p:spTree>
+    <p:extLst>
+      <p:ext uri="{BB962C8B-B14F-4D97-AF65-F5344CB8AC3E}">
+        <p14:creationId xmlns:p14="http://schemas.microsoft.com/office/powerpoint/2010/main" val="238907724"/>
+      </p:ext>
+    </p:extLst>
+  </p:cSld>
+  <p:clrMapOvr>
+    <a:masterClrMapping/>
+  </p:clrMapOvr>
+  <mc:AlternateContent xmlns:mc="http://schemas.openxmlformats.org/markup-compatibility/2006">
+    <mc:Choice xmlns:p14="http://schemas.microsoft.com/office/powerpoint/2010/main" Requires="p14">
+      <p:transition spd="slow" p14:dur="1400">
+        <p14:ripple/>
+      </p:transition>
+    </mc:Choice>
+    <mc:Fallback>
+      <p:transition spd="slow">
+        <p:fade/>
+      </p:transition>
+    </mc:Fallback>
+  </mc:AlternateContent>
+</p:sld>
+</file>
+
+<file path=ppt/slides/slide16.xml><?xml version="1.0" encoding="utf-8"?>
 <p:sld xmlns:a="http://schemas.openxmlformats.org/drawingml/2006/main" xmlns:r="http://schemas.openxmlformats.org/officeDocument/2006/relationships" xmlns:p="http://schemas.openxmlformats.org/presentationml/2006/main">
   <p:cSld>
     <p:spTree>
